--- a/old/python2_14_1.pptx
+++ b/old/python2_14_1.pptx
@@ -6337,7 +6337,7 @@
         <p:spPr>
           <a:xfrm>
             <a:off x="1278923" y="1555801"/>
-            <a:ext cx="2736327" cy="2514601"/>
+            <a:ext cx="2736327" cy="1143001"/>
           </a:xfrm>
           <a:prstGeom prst="rect">
             <a:avLst/>
@@ -6387,7 +6387,14 @@
               </a:defRPr>
             </a:pPr>
             <a:r>
-              <a:t>Find a seat near the front. Get out your notebook/binder.</a:t>
+              <a:t>Find your </a:t>
+            </a:r>
+            <a:r>
+              <a:rPr u="sng"/>
+              <a:t>assigned</a:t>
+            </a:r>
+            <a:r>
+              <a:t> seat.</a:t>
             </a:r>
           </a:p>
           <a:p>
@@ -6405,14 +6412,7 @@
               </a:defRPr>
             </a:pPr>
             <a:r>
-              <a:t>Copy the </a:t>
-            </a:r>
-            <a:r>
-              <a:rPr b="1"/>
-              <a:t>date </a:t>
-            </a:r>
-            <a:r>
-              <a:t>at the top of a fresh page.</a:t>
+              <a:t>Read over MP2 goals.</a:t>
             </a:r>
           </a:p>
           <a:p>
@@ -6430,25 +6430,11 @@
               </a:defRPr>
             </a:pPr>
             <a:r>
-              <a:t>Read through the goals for MP2.  Write down What you still need to do.</a:t>
-            </a:r>
-          </a:p>
-          <a:p>
-            <a:pPr marL="200526" indent="-200526">
-              <a:buSzPct val="100000"/>
-              <a:buAutoNum type="arabicPeriod" startAt="1"/>
-              <a:defRPr sz="1500">
-                <a:solidFill>
-                  <a:schemeClr val="accent1"/>
-                </a:solidFill>
-                <a:latin typeface="+mn-lt"/>
-                <a:ea typeface="+mn-ea"/>
-                <a:cs typeface="+mn-cs"/>
-                <a:sym typeface="Helvetica"/>
-              </a:defRPr>
-            </a:pPr>
-            <a:r>
-              <a:t>What questions do you have about finishing the marking period? Write them down.</a:t>
+              <a:t>Work at a </a:t>
+            </a:r>
+            <a:r>
+              <a:rPr b="1"/>
+              <a:t>volume 0 for five minutes on CodeHS.</a:t>
             </a:r>
           </a:p>
         </p:txBody>
